--- a/fig/fig.pptx
+++ b/fig/fig.pptx
@@ -7,6 +7,8 @@
   <p:sldIdLst>
     <p:sldId id="256" r:id="rId2"/>
     <p:sldId id="257" r:id="rId3"/>
+    <p:sldId id="259" r:id="rId4"/>
+    <p:sldId id="258" r:id="rId5"/>
   </p:sldIdLst>
   <p:sldSz cx="12192000" cy="6858000"/>
   <p:notesSz cx="6858000" cy="9144000"/>
@@ -253,7 +255,7 @@
           <a:p>
             <a:fld id="{D997B5FA-0921-464F-AAE1-844C04324D75}" type="datetimeFigureOut">
               <a:rPr lang="zh-CN" altLang="en-US" smtClean="0"/>
-              <a:t>2025/10/16</a:t>
+              <a:t>2025/10/19</a:t>
             </a:fld>
             <a:endParaRPr lang="zh-CN" altLang="en-US"/>
           </a:p>
@@ -416,7 +418,7 @@
           <a:p>
             <a:fld id="{D997B5FA-0921-464F-AAE1-844C04324D75}" type="datetimeFigureOut">
               <a:rPr lang="zh-CN" altLang="en-US" smtClean="0"/>
-              <a:t>2025/10/16</a:t>
+              <a:t>2025/10/19</a:t>
             </a:fld>
             <a:endParaRPr lang="zh-CN" altLang="en-US"/>
           </a:p>
@@ -589,7 +591,7 @@
           <a:p>
             <a:fld id="{D997B5FA-0921-464F-AAE1-844C04324D75}" type="datetimeFigureOut">
               <a:rPr lang="zh-CN" altLang="en-US" smtClean="0"/>
-              <a:t>2025/10/16</a:t>
+              <a:t>2025/10/19</a:t>
             </a:fld>
             <a:endParaRPr lang="zh-CN" altLang="en-US"/>
           </a:p>
@@ -752,7 +754,7 @@
           <a:p>
             <a:fld id="{D997B5FA-0921-464F-AAE1-844C04324D75}" type="datetimeFigureOut">
               <a:rPr lang="zh-CN" altLang="en-US" smtClean="0"/>
-              <a:t>2025/10/16</a:t>
+              <a:t>2025/10/19</a:t>
             </a:fld>
             <a:endParaRPr lang="zh-CN" altLang="en-US"/>
           </a:p>
@@ -992,7 +994,7 @@
           <a:p>
             <a:fld id="{D997B5FA-0921-464F-AAE1-844C04324D75}" type="datetimeFigureOut">
               <a:rPr lang="zh-CN" altLang="en-US" smtClean="0"/>
-              <a:t>2025/10/16</a:t>
+              <a:t>2025/10/19</a:t>
             </a:fld>
             <a:endParaRPr lang="zh-CN" altLang="en-US"/>
           </a:p>
@@ -1216,7 +1218,7 @@
           <a:p>
             <a:fld id="{D997B5FA-0921-464F-AAE1-844C04324D75}" type="datetimeFigureOut">
               <a:rPr lang="zh-CN" altLang="en-US" smtClean="0"/>
-              <a:t>2025/10/16</a:t>
+              <a:t>2025/10/19</a:t>
             </a:fld>
             <a:endParaRPr lang="zh-CN" altLang="en-US"/>
           </a:p>
@@ -1575,7 +1577,7 @@
           <a:p>
             <a:fld id="{D997B5FA-0921-464F-AAE1-844C04324D75}" type="datetimeFigureOut">
               <a:rPr lang="zh-CN" altLang="en-US" smtClean="0"/>
-              <a:t>2025/10/16</a:t>
+              <a:t>2025/10/19</a:t>
             </a:fld>
             <a:endParaRPr lang="zh-CN" altLang="en-US"/>
           </a:p>
@@ -1687,7 +1689,7 @@
           <a:p>
             <a:fld id="{D997B5FA-0921-464F-AAE1-844C04324D75}" type="datetimeFigureOut">
               <a:rPr lang="zh-CN" altLang="en-US" smtClean="0"/>
-              <a:t>2025/10/16</a:t>
+              <a:t>2025/10/19</a:t>
             </a:fld>
             <a:endParaRPr lang="zh-CN" altLang="en-US"/>
           </a:p>
@@ -1777,7 +1779,7 @@
           <a:p>
             <a:fld id="{D997B5FA-0921-464F-AAE1-844C04324D75}" type="datetimeFigureOut">
               <a:rPr lang="zh-CN" altLang="en-US" smtClean="0"/>
-              <a:t>2025/10/16</a:t>
+              <a:t>2025/10/19</a:t>
             </a:fld>
             <a:endParaRPr lang="zh-CN" altLang="en-US"/>
           </a:p>
@@ -2047,7 +2049,7 @@
           <a:p>
             <a:fld id="{D997B5FA-0921-464F-AAE1-844C04324D75}" type="datetimeFigureOut">
               <a:rPr lang="zh-CN" altLang="en-US" smtClean="0"/>
-              <a:t>2025/10/16</a:t>
+              <a:t>2025/10/19</a:t>
             </a:fld>
             <a:endParaRPr lang="zh-CN" altLang="en-US"/>
           </a:p>
@@ -2294,7 +2296,7 @@
           <a:p>
             <a:fld id="{D997B5FA-0921-464F-AAE1-844C04324D75}" type="datetimeFigureOut">
               <a:rPr lang="zh-CN" altLang="en-US" smtClean="0"/>
-              <a:t>2025/10/16</a:t>
+              <a:t>2025/10/19</a:t>
             </a:fld>
             <a:endParaRPr lang="zh-CN" altLang="en-US"/>
           </a:p>
@@ -2500,7 +2502,7 @@
           <a:p>
             <a:fld id="{D997B5FA-0921-464F-AAE1-844C04324D75}" type="datetimeFigureOut">
               <a:rPr lang="zh-CN" altLang="en-US" smtClean="0"/>
-              <a:t>2025/10/16</a:t>
+              <a:t>2025/10/19</a:t>
             </a:fld>
             <a:endParaRPr lang="zh-CN" altLang="en-US"/>
           </a:p>
@@ -3216,6 +3218,594 @@
 </p:sld>
 </file>
 
+<file path=ppt/slides/slide3.xml><?xml version="1.0" encoding="utf-8"?>
+<p:sld xmlns:a="http://schemas.openxmlformats.org/drawingml/2006/main" xmlns:r="http://schemas.openxmlformats.org/officeDocument/2006/relationships" xmlns:p="http://schemas.openxmlformats.org/presentationml/2006/main">
+  <p:cSld>
+    <p:spTree>
+      <p:nvGrpSpPr>
+        <p:cNvPr id="1" name=""/>
+        <p:cNvGrpSpPr/>
+        <p:nvPr/>
+      </p:nvGrpSpPr>
+      <p:grpSpPr>
+        <a:xfrm>
+          <a:off x="0" y="0"/>
+          <a:ext cx="0" cy="0"/>
+          <a:chOff x="0" y="0"/>
+          <a:chExt cx="0" cy="0"/>
+        </a:xfrm>
+      </p:grpSpPr>
+      <p:grpSp>
+        <p:nvGrpSpPr>
+          <p:cNvPr id="21" name="组合 20">
+            <a:extLst>
+              <a:ext uri="{FF2B5EF4-FFF2-40B4-BE49-F238E27FC236}">
+                <a16:creationId xmlns:a16="http://schemas.microsoft.com/office/drawing/2014/main" id="{C67F6773-F51B-4F30-BACD-1A5B50BB1FF6}"/>
+              </a:ext>
+            </a:extLst>
+          </p:cNvPr>
+          <p:cNvGrpSpPr/>
+          <p:nvPr/>
+        </p:nvGrpSpPr>
+        <p:grpSpPr>
+          <a:xfrm>
+            <a:off x="196078" y="463289"/>
+            <a:ext cx="11362086" cy="2965711"/>
+            <a:chOff x="-13310372" y="-4030891"/>
+            <a:chExt cx="11362086" cy="2965711"/>
+          </a:xfrm>
+        </p:grpSpPr>
+        <p:pic>
+          <p:nvPicPr>
+            <p:cNvPr id="5" name="图片 4">
+              <a:extLst>
+                <a:ext uri="{FF2B5EF4-FFF2-40B4-BE49-F238E27FC236}">
+                  <a16:creationId xmlns:a16="http://schemas.microsoft.com/office/drawing/2014/main" id="{D66B9098-1280-454F-B6A8-712B54B03270}"/>
+                </a:ext>
+              </a:extLst>
+            </p:cNvPr>
+            <p:cNvPicPr>
+              <a:picLocks noChangeAspect="1"/>
+            </p:cNvPicPr>
+            <p:nvPr/>
+          </p:nvPicPr>
+          <p:blipFill rotWithShape="1">
+            <a:blip r:embed="rId2"/>
+            <a:srcRect l="-1" r="46032"/>
+            <a:stretch/>
+          </p:blipFill>
+          <p:spPr>
+            <a:xfrm>
+              <a:off x="-13310371" y="-4030888"/>
+              <a:ext cx="11362085" cy="2965708"/>
+            </a:xfrm>
+            <a:prstGeom prst="rect">
+              <a:avLst/>
+            </a:prstGeom>
+          </p:spPr>
+        </p:pic>
+        <p:pic>
+          <p:nvPicPr>
+            <p:cNvPr id="3" name="图片 2">
+              <a:extLst>
+                <a:ext uri="{FF2B5EF4-FFF2-40B4-BE49-F238E27FC236}">
+                  <a16:creationId xmlns:a16="http://schemas.microsoft.com/office/drawing/2014/main" id="{9817EAD6-C1E5-43C9-B854-B6474D3C32C2}"/>
+                </a:ext>
+              </a:extLst>
+            </p:cNvPr>
+            <p:cNvPicPr>
+              <a:picLocks noChangeAspect="1"/>
+            </p:cNvPicPr>
+            <p:nvPr/>
+          </p:nvPicPr>
+          <p:blipFill>
+            <a:blip r:embed="rId3" cstate="print">
+              <a:extLst>
+                <a:ext uri="{28A0092B-C50C-407E-A947-70E740481C1C}">
+                  <a14:useLocalDpi xmlns:a14="http://schemas.microsoft.com/office/drawing/2010/main" val="0"/>
+                </a:ext>
+              </a:extLst>
+            </a:blip>
+            <a:stretch>
+              <a:fillRect/>
+            </a:stretch>
+          </p:blipFill>
+          <p:spPr>
+            <a:xfrm>
+              <a:off x="-13310372" y="-4030891"/>
+              <a:ext cx="3383287" cy="2965710"/>
+            </a:xfrm>
+            <a:prstGeom prst="rect">
+              <a:avLst/>
+            </a:prstGeom>
+            <a:solidFill>
+              <a:schemeClr val="bg1"/>
+            </a:solidFill>
+          </p:spPr>
+        </p:pic>
+        <p:pic>
+          <p:nvPicPr>
+            <p:cNvPr id="8" name="图片 7">
+              <a:extLst>
+                <a:ext uri="{FF2B5EF4-FFF2-40B4-BE49-F238E27FC236}">
+                  <a16:creationId xmlns:a16="http://schemas.microsoft.com/office/drawing/2014/main" id="{1701B3F4-BC76-465C-83B9-51D6A5C787B4}"/>
+                </a:ext>
+              </a:extLst>
+            </p:cNvPr>
+            <p:cNvPicPr>
+              <a:picLocks noChangeAspect="1"/>
+            </p:cNvPicPr>
+            <p:nvPr/>
+          </p:nvPicPr>
+          <p:blipFill>
+            <a:blip r:embed="rId4" cstate="print">
+              <a:extLst>
+                <a:ext uri="{28A0092B-C50C-407E-A947-70E740481C1C}">
+                  <a14:useLocalDpi xmlns:a14="http://schemas.microsoft.com/office/drawing/2010/main" val="0"/>
+                </a:ext>
+              </a:extLst>
+            </a:blip>
+            <a:stretch>
+              <a:fillRect/>
+            </a:stretch>
+          </p:blipFill>
+          <p:spPr>
+            <a:xfrm>
+              <a:off x="-9927085" y="-4030891"/>
+              <a:ext cx="3340615" cy="2965710"/>
+            </a:xfrm>
+            <a:prstGeom prst="rect">
+              <a:avLst/>
+            </a:prstGeom>
+            <a:solidFill>
+              <a:schemeClr val="bg1"/>
+            </a:solidFill>
+          </p:spPr>
+        </p:pic>
+        <p:pic>
+          <p:nvPicPr>
+            <p:cNvPr id="6" name="图片 5">
+              <a:extLst>
+                <a:ext uri="{FF2B5EF4-FFF2-40B4-BE49-F238E27FC236}">
+                  <a16:creationId xmlns:a16="http://schemas.microsoft.com/office/drawing/2014/main" id="{295A9057-B5BB-4768-885D-7910264AAAAD}"/>
+                </a:ext>
+              </a:extLst>
+            </p:cNvPr>
+            <p:cNvPicPr>
+              <a:picLocks noChangeAspect="1"/>
+            </p:cNvPicPr>
+            <p:nvPr/>
+          </p:nvPicPr>
+          <p:blipFill>
+            <a:blip r:embed="rId5" cstate="print">
+              <a:extLst>
+                <a:ext uri="{28A0092B-C50C-407E-A947-70E740481C1C}">
+                  <a14:useLocalDpi xmlns:a14="http://schemas.microsoft.com/office/drawing/2010/main" val="0"/>
+                </a:ext>
+              </a:extLst>
+            </a:blip>
+            <a:stretch>
+              <a:fillRect/>
+            </a:stretch>
+          </p:blipFill>
+          <p:spPr>
+            <a:xfrm>
+              <a:off x="-6561303" y="-4030891"/>
+              <a:ext cx="4613016" cy="2965710"/>
+            </a:xfrm>
+            <a:prstGeom prst="rect">
+              <a:avLst/>
+            </a:prstGeom>
+            <a:solidFill>
+              <a:schemeClr val="bg1"/>
+            </a:solidFill>
+          </p:spPr>
+        </p:pic>
+      </p:grpSp>
+      <p:grpSp>
+        <p:nvGrpSpPr>
+          <p:cNvPr id="20" name="组合 19">
+            <a:extLst>
+              <a:ext uri="{FF2B5EF4-FFF2-40B4-BE49-F238E27FC236}">
+                <a16:creationId xmlns:a16="http://schemas.microsoft.com/office/drawing/2014/main" id="{6691EB27-FA7F-49D8-9FC5-E3B4A1B43BBA}"/>
+              </a:ext>
+            </a:extLst>
+          </p:cNvPr>
+          <p:cNvGrpSpPr/>
+          <p:nvPr/>
+        </p:nvGrpSpPr>
+        <p:grpSpPr>
+          <a:xfrm>
+            <a:off x="196078" y="3509241"/>
+            <a:ext cx="11362085" cy="3145559"/>
+            <a:chOff x="-13577070" y="2256507"/>
+            <a:chExt cx="11362085" cy="3145559"/>
+          </a:xfrm>
+        </p:grpSpPr>
+        <p:pic>
+          <p:nvPicPr>
+            <p:cNvPr id="12" name="图片 11">
+              <a:extLst>
+                <a:ext uri="{FF2B5EF4-FFF2-40B4-BE49-F238E27FC236}">
+                  <a16:creationId xmlns:a16="http://schemas.microsoft.com/office/drawing/2014/main" id="{BFB1A5A2-129D-47A3-9DCF-77B3F70D269F}"/>
+                </a:ext>
+              </a:extLst>
+            </p:cNvPr>
+            <p:cNvPicPr>
+              <a:picLocks noChangeAspect="1"/>
+            </p:cNvPicPr>
+            <p:nvPr/>
+          </p:nvPicPr>
+          <p:blipFill rotWithShape="1">
+            <a:blip r:embed="rId2"/>
+            <a:srcRect l="-1" r="46032"/>
+            <a:stretch/>
+          </p:blipFill>
+          <p:spPr>
+            <a:xfrm>
+              <a:off x="-13577070" y="2256507"/>
+              <a:ext cx="11362085" cy="3145559"/>
+            </a:xfrm>
+            <a:prstGeom prst="rect">
+              <a:avLst/>
+            </a:prstGeom>
+          </p:spPr>
+        </p:pic>
+        <p:pic>
+          <p:nvPicPr>
+            <p:cNvPr id="17" name="图片 16">
+              <a:extLst>
+                <a:ext uri="{FF2B5EF4-FFF2-40B4-BE49-F238E27FC236}">
+                  <a16:creationId xmlns:a16="http://schemas.microsoft.com/office/drawing/2014/main" id="{526F665F-EF10-4F53-A196-1B321AD74967}"/>
+                </a:ext>
+              </a:extLst>
+            </p:cNvPr>
+            <p:cNvPicPr>
+              <a:picLocks noChangeAspect="1"/>
+            </p:cNvPicPr>
+            <p:nvPr/>
+          </p:nvPicPr>
+          <p:blipFill>
+            <a:blip r:embed="rId6" cstate="print">
+              <a:extLst>
+                <a:ext uri="{28A0092B-C50C-407E-A947-70E740481C1C}">
+                  <a14:useLocalDpi xmlns:a14="http://schemas.microsoft.com/office/drawing/2010/main" val="0"/>
+                </a:ext>
+              </a:extLst>
+            </a:blip>
+            <a:stretch>
+              <a:fillRect/>
+            </a:stretch>
+          </p:blipFill>
+          <p:spPr>
+            <a:xfrm>
+              <a:off x="-10066682" y="2256509"/>
+              <a:ext cx="3086410" cy="2885464"/>
+            </a:xfrm>
+            <a:prstGeom prst="rect">
+              <a:avLst/>
+            </a:prstGeom>
+            <a:solidFill>
+              <a:schemeClr val="bg1"/>
+            </a:solidFill>
+          </p:spPr>
+        </p:pic>
+        <p:pic>
+          <p:nvPicPr>
+            <p:cNvPr id="18" name="图片 17">
+              <a:extLst>
+                <a:ext uri="{FF2B5EF4-FFF2-40B4-BE49-F238E27FC236}">
+                  <a16:creationId xmlns:a16="http://schemas.microsoft.com/office/drawing/2014/main" id="{EA752F7F-78A8-434D-9483-F437EA3EFF06}"/>
+                </a:ext>
+              </a:extLst>
+            </p:cNvPr>
+            <p:cNvPicPr>
+              <a:picLocks noChangeAspect="1"/>
+            </p:cNvPicPr>
+            <p:nvPr/>
+          </p:nvPicPr>
+          <p:blipFill>
+            <a:blip r:embed="rId7" cstate="print">
+              <a:extLst>
+                <a:ext uri="{28A0092B-C50C-407E-A947-70E740481C1C}">
+                  <a14:useLocalDpi xmlns:a14="http://schemas.microsoft.com/office/drawing/2010/main" val="0"/>
+                </a:ext>
+              </a:extLst>
+            </a:blip>
+            <a:stretch>
+              <a:fillRect/>
+            </a:stretch>
+          </p:blipFill>
+          <p:spPr>
+            <a:xfrm>
+              <a:off x="-13513820" y="2256509"/>
+              <a:ext cx="3086411" cy="2885465"/>
+            </a:xfrm>
+            <a:prstGeom prst="rect">
+              <a:avLst/>
+            </a:prstGeom>
+            <a:solidFill>
+              <a:schemeClr val="bg1"/>
+            </a:solidFill>
+          </p:spPr>
+        </p:pic>
+        <p:pic>
+          <p:nvPicPr>
+            <p:cNvPr id="19" name="图片 18">
+              <a:extLst>
+                <a:ext uri="{FF2B5EF4-FFF2-40B4-BE49-F238E27FC236}">
+                  <a16:creationId xmlns:a16="http://schemas.microsoft.com/office/drawing/2014/main" id="{2A89345C-E9E6-4168-9F0B-C0716E847234}"/>
+                </a:ext>
+              </a:extLst>
+            </p:cNvPr>
+            <p:cNvPicPr>
+              <a:picLocks noChangeAspect="1"/>
+            </p:cNvPicPr>
+            <p:nvPr/>
+          </p:nvPicPr>
+          <p:blipFill>
+            <a:blip r:embed="rId8" cstate="print">
+              <a:extLst>
+                <a:ext uri="{28A0092B-C50C-407E-A947-70E740481C1C}">
+                  <a14:useLocalDpi xmlns:a14="http://schemas.microsoft.com/office/drawing/2010/main" val="0"/>
+                </a:ext>
+              </a:extLst>
+            </a:blip>
+            <a:stretch>
+              <a:fillRect/>
+            </a:stretch>
+          </p:blipFill>
+          <p:spPr>
+            <a:xfrm>
+              <a:off x="-6717678" y="2256509"/>
+              <a:ext cx="3111528" cy="2885463"/>
+            </a:xfrm>
+            <a:prstGeom prst="rect">
+              <a:avLst/>
+            </a:prstGeom>
+            <a:solidFill>
+              <a:schemeClr val="bg1"/>
+            </a:solidFill>
+          </p:spPr>
+        </p:pic>
+      </p:grpSp>
+    </p:spTree>
+    <p:extLst>
+      <p:ext uri="{BB962C8B-B14F-4D97-AF65-F5344CB8AC3E}">
+        <p14:creationId xmlns:p14="http://schemas.microsoft.com/office/powerpoint/2010/main" val="87550544"/>
+      </p:ext>
+    </p:extLst>
+  </p:cSld>
+  <p:clrMapOvr>
+    <a:masterClrMapping/>
+  </p:clrMapOvr>
+</p:sld>
+</file>
+
+<file path=ppt/slides/slide4.xml><?xml version="1.0" encoding="utf-8"?>
+<p:sld xmlns:a="http://schemas.openxmlformats.org/drawingml/2006/main" xmlns:r="http://schemas.openxmlformats.org/officeDocument/2006/relationships" xmlns:p="http://schemas.openxmlformats.org/presentationml/2006/main">
+  <p:cSld>
+    <p:spTree>
+      <p:nvGrpSpPr>
+        <p:cNvPr id="1" name=""/>
+        <p:cNvGrpSpPr/>
+        <p:nvPr/>
+      </p:nvGrpSpPr>
+      <p:grpSpPr>
+        <a:xfrm>
+          <a:off x="0" y="0"/>
+          <a:ext cx="0" cy="0"/>
+          <a:chOff x="0" y="0"/>
+          <a:chExt cx="0" cy="0"/>
+        </a:xfrm>
+      </p:grpSpPr>
+      <p:pic>
+        <p:nvPicPr>
+          <p:cNvPr id="7" name="图片 6">
+            <a:extLst>
+              <a:ext uri="{FF2B5EF4-FFF2-40B4-BE49-F238E27FC236}">
+                <a16:creationId xmlns:a16="http://schemas.microsoft.com/office/drawing/2014/main" id="{3CA4463C-5B77-4834-9DFD-703590A3344B}"/>
+              </a:ext>
+            </a:extLst>
+          </p:cNvPr>
+          <p:cNvPicPr>
+            <a:picLocks noChangeAspect="1"/>
+          </p:cNvPicPr>
+          <p:nvPr/>
+        </p:nvPicPr>
+        <p:blipFill rotWithShape="1">
+          <a:blip r:embed="rId2"/>
+          <a:srcRect l="-1" r="46032"/>
+          <a:stretch/>
+        </p:blipFill>
+        <p:spPr>
+          <a:xfrm>
+            <a:off x="-18329803" y="-3691668"/>
+            <a:ext cx="11725804" cy="3691667"/>
+          </a:xfrm>
+          <a:prstGeom prst="rect">
+            <a:avLst/>
+          </a:prstGeom>
+        </p:spPr>
+      </p:pic>
+      <p:pic>
+        <p:nvPicPr>
+          <p:cNvPr id="15" name="图片 14">
+            <a:extLst>
+              <a:ext uri="{FF2B5EF4-FFF2-40B4-BE49-F238E27FC236}">
+                <a16:creationId xmlns:a16="http://schemas.microsoft.com/office/drawing/2014/main" id="{6CEB53EA-DBF1-4060-84F8-B80606AAAF87}"/>
+              </a:ext>
+            </a:extLst>
+          </p:cNvPr>
+          <p:cNvPicPr>
+            <a:picLocks noChangeAspect="1"/>
+          </p:cNvPicPr>
+          <p:nvPr/>
+        </p:nvPicPr>
+        <p:blipFill>
+          <a:blip r:embed="rId3" cstate="print">
+            <a:extLst>
+              <a:ext uri="{28A0092B-C50C-407E-A947-70E740481C1C}">
+                <a14:useLocalDpi xmlns:a14="http://schemas.microsoft.com/office/drawing/2010/main" val="0"/>
+              </a:ext>
+            </a:extLst>
+          </a:blip>
+          <a:stretch>
+            <a:fillRect/>
+          </a:stretch>
+        </p:blipFill>
+        <p:spPr>
+          <a:xfrm>
+            <a:off x="3735180" y="3840865"/>
+            <a:ext cx="3020574" cy="2801118"/>
+          </a:xfrm>
+          <a:prstGeom prst="rect">
+            <a:avLst/>
+          </a:prstGeom>
+        </p:spPr>
+      </p:pic>
+      <p:grpSp>
+        <p:nvGrpSpPr>
+          <p:cNvPr id="18" name="组合 17">
+            <a:extLst>
+              <a:ext uri="{FF2B5EF4-FFF2-40B4-BE49-F238E27FC236}">
+                <a16:creationId xmlns:a16="http://schemas.microsoft.com/office/drawing/2014/main" id="{C3E46020-91BE-486F-839F-583649986A6E}"/>
+              </a:ext>
+            </a:extLst>
+          </p:cNvPr>
+          <p:cNvGrpSpPr/>
+          <p:nvPr/>
+        </p:nvGrpSpPr>
+        <p:grpSpPr>
+          <a:xfrm>
+            <a:off x="-18329804" y="-3691668"/>
+            <a:ext cx="9016587" cy="2801118"/>
+            <a:chOff x="868261" y="627882"/>
+            <a:chExt cx="9016587" cy="2801118"/>
+          </a:xfrm>
+        </p:grpSpPr>
+        <p:pic>
+          <p:nvPicPr>
+            <p:cNvPr id="11" name="图片 10">
+              <a:extLst>
+                <a:ext uri="{FF2B5EF4-FFF2-40B4-BE49-F238E27FC236}">
+                  <a16:creationId xmlns:a16="http://schemas.microsoft.com/office/drawing/2014/main" id="{764AC8EF-EA21-46B4-AA9F-76A9A024A72D}"/>
+                </a:ext>
+              </a:extLst>
+            </p:cNvPr>
+            <p:cNvPicPr>
+              <a:picLocks noChangeAspect="1"/>
+            </p:cNvPicPr>
+            <p:nvPr/>
+          </p:nvPicPr>
+          <p:blipFill>
+            <a:blip r:embed="rId4" cstate="print">
+              <a:extLst>
+                <a:ext uri="{28A0092B-C50C-407E-A947-70E740481C1C}">
+                  <a14:useLocalDpi xmlns:a14="http://schemas.microsoft.com/office/drawing/2010/main" val="0"/>
+                </a:ext>
+              </a:extLst>
+            </a:blip>
+            <a:stretch>
+              <a:fillRect/>
+            </a:stretch>
+          </p:blipFill>
+          <p:spPr>
+            <a:xfrm>
+              <a:off x="3868084" y="627882"/>
+              <a:ext cx="2996190" cy="2801118"/>
+            </a:xfrm>
+            <a:prstGeom prst="rect">
+              <a:avLst/>
+            </a:prstGeom>
+          </p:spPr>
+        </p:pic>
+        <p:pic>
+          <p:nvPicPr>
+            <p:cNvPr id="13" name="图片 12">
+              <a:extLst>
+                <a:ext uri="{FF2B5EF4-FFF2-40B4-BE49-F238E27FC236}">
+                  <a16:creationId xmlns:a16="http://schemas.microsoft.com/office/drawing/2014/main" id="{CCF8F8A0-BA24-4C3B-8CE3-FD44B3DAF8C0}"/>
+                </a:ext>
+              </a:extLst>
+            </p:cNvPr>
+            <p:cNvPicPr>
+              <a:picLocks noChangeAspect="1"/>
+            </p:cNvPicPr>
+            <p:nvPr/>
+          </p:nvPicPr>
+          <p:blipFill>
+            <a:blip r:embed="rId5" cstate="print">
+              <a:extLst>
+                <a:ext uri="{28A0092B-C50C-407E-A947-70E740481C1C}">
+                  <a14:useLocalDpi xmlns:a14="http://schemas.microsoft.com/office/drawing/2010/main" val="0"/>
+                </a:ext>
+              </a:extLst>
+            </a:blip>
+            <a:stretch>
+              <a:fillRect/>
+            </a:stretch>
+          </p:blipFill>
+          <p:spPr>
+            <a:xfrm>
+              <a:off x="868261" y="627882"/>
+              <a:ext cx="2996190" cy="2801118"/>
+            </a:xfrm>
+            <a:prstGeom prst="rect">
+              <a:avLst/>
+            </a:prstGeom>
+          </p:spPr>
+        </p:pic>
+        <p:pic>
+          <p:nvPicPr>
+            <p:cNvPr id="17" name="图片 16">
+              <a:extLst>
+                <a:ext uri="{FF2B5EF4-FFF2-40B4-BE49-F238E27FC236}">
+                  <a16:creationId xmlns:a16="http://schemas.microsoft.com/office/drawing/2014/main" id="{F22928BA-084F-4A3F-82BC-338731BC7D02}"/>
+                </a:ext>
+              </a:extLst>
+            </p:cNvPr>
+            <p:cNvPicPr>
+              <a:picLocks noChangeAspect="1"/>
+            </p:cNvPicPr>
+            <p:nvPr/>
+          </p:nvPicPr>
+          <p:blipFill>
+            <a:blip r:embed="rId6" cstate="print">
+              <a:extLst>
+                <a:ext uri="{28A0092B-C50C-407E-A947-70E740481C1C}">
+                  <a14:useLocalDpi xmlns:a14="http://schemas.microsoft.com/office/drawing/2010/main" val="0"/>
+                </a:ext>
+              </a:extLst>
+            </a:blip>
+            <a:stretch>
+              <a:fillRect/>
+            </a:stretch>
+          </p:blipFill>
+          <p:spPr>
+            <a:xfrm>
+              <a:off x="6864274" y="627882"/>
+              <a:ext cx="3020574" cy="2801118"/>
+            </a:xfrm>
+            <a:prstGeom prst="rect">
+              <a:avLst/>
+            </a:prstGeom>
+          </p:spPr>
+        </p:pic>
+      </p:grpSp>
+    </p:spTree>
+    <p:extLst>
+      <p:ext uri="{BB962C8B-B14F-4D97-AF65-F5344CB8AC3E}">
+        <p14:creationId xmlns:p14="http://schemas.microsoft.com/office/powerpoint/2010/main" val="124394007"/>
+      </p:ext>
+    </p:extLst>
+  </p:cSld>
+  <p:clrMapOvr>
+    <a:masterClrMapping/>
+  </p:clrMapOvr>
+</p:sld>
+</file>
+
 <file path=ppt/theme/theme1.xml><?xml version="1.0" encoding="utf-8"?>
 <a:theme xmlns:a="http://schemas.openxmlformats.org/drawingml/2006/main" name="WPS">
   <a:themeElements>
